--- a/Lógica e Programação/Módulo 03 - Framework/Aula 18 - Media Query/Media Query.pptx
+++ b/Lógica e Programação/Módulo 03 - Framework/Aula 18 - Media Query/Media Query.pptx
@@ -5,16 +5,18 @@
     <p:sldMasterId id="2147483677" r:id="rId1"/>
   </p:sldMasterIdLst>
   <p:notesMasterIdLst>
-    <p:notesMasterId r:id="rId6"/>
+    <p:notesMasterId r:id="rId8"/>
   </p:notesMasterIdLst>
   <p:handoutMasterIdLst>
-    <p:handoutMasterId r:id="rId7"/>
+    <p:handoutMasterId r:id="rId9"/>
   </p:handoutMasterIdLst>
   <p:sldIdLst>
     <p:sldId id="256" r:id="rId2"/>
     <p:sldId id="259" r:id="rId3"/>
     <p:sldId id="258" r:id="rId4"/>
     <p:sldId id="260" r:id="rId5"/>
+    <p:sldId id="262" r:id="rId6"/>
+    <p:sldId id="261" r:id="rId7"/>
   </p:sldIdLst>
   <p:sldSz cx="12192000" cy="6858000"/>
   <p:notesSz cx="6888163" cy="10020300"/>
@@ -3894,7 +3896,7 @@
           <a:p>
             <a:r>
               <a:rPr lang="pt-BR" sz="5400" dirty="0"/>
-              <a:t>Responsividade – Media Query</a:t>
+              <a:t>Responsividade – Media Queries</a:t>
             </a:r>
           </a:p>
         </p:txBody>
@@ -4224,7 +4226,14 @@
           <a:bodyPr/>
           <a:lstStyle/>
           <a:p>
-            <a:endParaRPr lang="pt-BR"/>
+            <a:r>
+              <a:rPr lang="pt-BR" dirty="0"/>
+              <a:t>Tamanhos de Tela e Media Queries</a:t>
+            </a:r>
+            <a:br>
+              <a:rPr lang="pt-BR" dirty="0"/>
+            </a:br>
+            <a:endParaRPr lang="pt-BR" dirty="0"/>
           </a:p>
         </p:txBody>
       </p:sp>
@@ -4244,19 +4253,718 @@
             <p:ph idx="1"/>
           </p:nvPr>
         </p:nvSpPr>
-        <p:spPr/>
+        <p:spPr>
+          <a:xfrm>
+            <a:off x="592347" y="1844675"/>
+            <a:ext cx="11007306" cy="1304925"/>
+          </a:xfrm>
+        </p:spPr>
         <p:txBody>
           <a:bodyPr/>
           <a:lstStyle/>
           <a:p>
-            <a:endParaRPr lang="pt-BR"/>
-          </a:p>
-        </p:txBody>
-      </p:sp>
+            <a:r>
+              <a:rPr lang="pt-BR" sz="1800" dirty="0"/>
+              <a:t>Os Media Queries permitem que os sites se adaptem a diferentes dispositivos, melhorando a experiência do usuário. A tabela apresenta os tamanhos de tela mais comuns e os Media Queries ideais para cada um, garantindo um design responsivo eficiente.</a:t>
+            </a:r>
+          </a:p>
+        </p:txBody>
+      </p:sp>
+      <p:pic>
+        <p:nvPicPr>
+          <p:cNvPr id="5" name="Imagem 4">
+            <a:extLst>
+              <a:ext uri="{FF2B5EF4-FFF2-40B4-BE49-F238E27FC236}">
+                <a16:creationId xmlns:a16="http://schemas.microsoft.com/office/drawing/2014/main" id="{FEB45BA4-1E90-40D3-BEF7-733E73570761}"/>
+              </a:ext>
+            </a:extLst>
+          </p:cNvPr>
+          <p:cNvPicPr>
+            <a:picLocks noChangeAspect="1"/>
+          </p:cNvPicPr>
+          <p:nvPr/>
+        </p:nvPicPr>
+        <p:blipFill>
+          <a:blip r:embed="rId2"/>
+          <a:stretch>
+            <a:fillRect/>
+          </a:stretch>
+        </p:blipFill>
+        <p:spPr>
+          <a:xfrm>
+            <a:off x="3956280" y="3612090"/>
+            <a:ext cx="4279439" cy="2696633"/>
+          </a:xfrm>
+          <a:prstGeom prst="rect">
+            <a:avLst/>
+          </a:prstGeom>
+        </p:spPr>
+      </p:pic>
     </p:spTree>
     <p:extLst>
       <p:ext uri="{BB962C8B-B14F-4D97-AF65-F5344CB8AC3E}">
         <p14:creationId xmlns:p14="http://schemas.microsoft.com/office/powerpoint/2010/main" val="1098741518"/>
+      </p:ext>
+    </p:extLst>
+  </p:cSld>
+  <p:clrMapOvr>
+    <a:masterClrMapping/>
+  </p:clrMapOvr>
+</p:sld>
+</file>
+
+<file path=ppt/slides/slide5.xml><?xml version="1.0" encoding="utf-8"?>
+<p:sld xmlns:a="http://schemas.openxmlformats.org/drawingml/2006/main" xmlns:r="http://schemas.openxmlformats.org/officeDocument/2006/relationships" xmlns:p="http://schemas.openxmlformats.org/presentationml/2006/main">
+  <p:cSld>
+    <p:spTree>
+      <p:nvGrpSpPr>
+        <p:cNvPr id="1" name=""/>
+        <p:cNvGrpSpPr/>
+        <p:nvPr/>
+      </p:nvGrpSpPr>
+      <p:grpSpPr>
+        <a:xfrm>
+          <a:off x="0" y="0"/>
+          <a:ext cx="0" cy="0"/>
+          <a:chOff x="0" y="0"/>
+          <a:chExt cx="0" cy="0"/>
+        </a:xfrm>
+      </p:grpSpPr>
+      <p:sp>
+        <p:nvSpPr>
+          <p:cNvPr id="2" name="Título 1">
+            <a:extLst>
+              <a:ext uri="{FF2B5EF4-FFF2-40B4-BE49-F238E27FC236}">
+                <a16:creationId xmlns:a16="http://schemas.microsoft.com/office/drawing/2014/main" id="{7A1546C1-613B-46C3-8B87-AFB0807564FE}"/>
+              </a:ext>
+            </a:extLst>
+          </p:cNvPr>
+          <p:cNvSpPr>
+            <a:spLocks noGrp="1"/>
+          </p:cNvSpPr>
+          <p:nvPr>
+            <p:ph type="title"/>
+          </p:nvPr>
+        </p:nvSpPr>
+        <p:spPr/>
+        <p:txBody>
+          <a:bodyPr/>
+          <a:lstStyle/>
+          <a:p>
+            <a:r>
+              <a:rPr lang="pt-BR" dirty="0"/>
+              <a:t>Sintaxe Media Queries</a:t>
+            </a:r>
+          </a:p>
+        </p:txBody>
+      </p:sp>
+      <p:sp>
+        <p:nvSpPr>
+          <p:cNvPr id="3" name="Espaço Reservado para Conteúdo 2">
+            <a:extLst>
+              <a:ext uri="{FF2B5EF4-FFF2-40B4-BE49-F238E27FC236}">
+                <a16:creationId xmlns:a16="http://schemas.microsoft.com/office/drawing/2014/main" id="{959A3E84-B483-43FC-92C0-FAC5B51A5B8F}"/>
+              </a:ext>
+            </a:extLst>
+          </p:cNvPr>
+          <p:cNvSpPr>
+            <a:spLocks noGrp="1"/>
+          </p:cNvSpPr>
+          <p:nvPr>
+            <p:ph idx="1"/>
+          </p:nvPr>
+        </p:nvSpPr>
+        <p:spPr>
+          <a:xfrm>
+            <a:off x="592347" y="1844675"/>
+            <a:ext cx="11007306" cy="1525058"/>
+          </a:xfrm>
+        </p:spPr>
+        <p:txBody>
+          <a:bodyPr/>
+          <a:lstStyle/>
+          <a:p>
+            <a:r>
+              <a:rPr lang="pt-BR" dirty="0"/>
+              <a:t>As </a:t>
+            </a:r>
+            <a:r>
+              <a:rPr lang="pt-BR" b="1" dirty="0"/>
+              <a:t>Media Queries</a:t>
+            </a:r>
+            <a:r>
+              <a:rPr lang="pt-BR" dirty="0"/>
+              <a:t> são um recurso do CSS que permite adaptar o layout de um site para diferentes tamanhos de tela e dispositivos. Elas funcionam como "condições" que aplicam estilos específicos apenas quando certas regras são atendidas.</a:t>
+            </a:r>
+          </a:p>
+          <a:p>
+            <a:endParaRPr lang="pt-BR" dirty="0"/>
+          </a:p>
+        </p:txBody>
+      </p:sp>
+      <p:sp>
+        <p:nvSpPr>
+          <p:cNvPr id="4" name="Retângulo 3">
+            <a:extLst>
+              <a:ext uri="{FF2B5EF4-FFF2-40B4-BE49-F238E27FC236}">
+                <a16:creationId xmlns:a16="http://schemas.microsoft.com/office/drawing/2014/main" id="{6A0159E0-8C12-4ED9-9E30-601C1BEF5916}"/>
+              </a:ext>
+            </a:extLst>
+          </p:cNvPr>
+          <p:cNvSpPr/>
+          <p:nvPr/>
+        </p:nvSpPr>
+        <p:spPr>
+          <a:xfrm>
+            <a:off x="1052689" y="4473770"/>
+            <a:ext cx="4800600" cy="1107996"/>
+          </a:xfrm>
+          <a:prstGeom prst="rect">
+            <a:avLst/>
+          </a:prstGeom>
+        </p:spPr>
+        <p:txBody>
+          <a:bodyPr wrap="square">
+            <a:spAutoFit/>
+          </a:bodyPr>
+          <a:lstStyle/>
+          <a:p>
+            <a:r>
+              <a:rPr lang="pt-BR" sz="1600" dirty="0">
+                <a:solidFill>
+                  <a:srgbClr val="0000FF"/>
+                </a:solidFill>
+                <a:latin typeface="Consolas" panose="020B0609020204030204" pitchFamily="49" charset="0"/>
+              </a:rPr>
+              <a:t>@media</a:t>
+            </a:r>
+            <a:r>
+              <a:rPr lang="pt-BR" sz="1600" dirty="0">
+                <a:solidFill>
+                  <a:srgbClr val="000000"/>
+                </a:solidFill>
+                <a:latin typeface="Consolas" panose="020B0609020204030204" pitchFamily="49" charset="0"/>
+              </a:rPr>
+              <a:t> (condição) {</a:t>
+            </a:r>
+          </a:p>
+          <a:p>
+            <a:r>
+              <a:rPr lang="pt-BR" sz="1600" dirty="0">
+                <a:solidFill>
+                  <a:srgbClr val="000000"/>
+                </a:solidFill>
+                <a:latin typeface="Consolas" panose="020B0609020204030204" pitchFamily="49" charset="0"/>
+              </a:rPr>
+              <a:t>    </a:t>
+            </a:r>
+            <a:r>
+              <a:rPr lang="pt-BR" sz="1600" dirty="0">
+                <a:solidFill>
+                  <a:srgbClr val="008000"/>
+                </a:solidFill>
+                <a:latin typeface="Consolas" panose="020B0609020204030204" pitchFamily="49" charset="0"/>
+              </a:rPr>
+              <a:t>/* Regras de estilo aplicadas quando a condição for verdadeira */</a:t>
+            </a:r>
+            <a:endParaRPr lang="pt-BR" sz="1600" dirty="0">
+              <a:solidFill>
+                <a:srgbClr val="000000"/>
+              </a:solidFill>
+              <a:latin typeface="Consolas" panose="020B0609020204030204" pitchFamily="49" charset="0"/>
+            </a:endParaRPr>
+          </a:p>
+          <a:p>
+            <a:r>
+              <a:rPr lang="pt-BR" sz="1600" dirty="0">
+                <a:solidFill>
+                  <a:srgbClr val="000000"/>
+                </a:solidFill>
+                <a:latin typeface="Consolas" panose="020B0609020204030204" pitchFamily="49" charset="0"/>
+              </a:rPr>
+              <a:t>}</a:t>
+            </a:r>
+            <a:endParaRPr lang="pt-BR" sz="1600" b="0" dirty="0">
+              <a:solidFill>
+                <a:srgbClr val="000000"/>
+              </a:solidFill>
+              <a:effectLst/>
+              <a:latin typeface="Consolas" panose="020B0609020204030204" pitchFamily="49" charset="0"/>
+            </a:endParaRPr>
+          </a:p>
+        </p:txBody>
+      </p:sp>
+      <p:sp>
+        <p:nvSpPr>
+          <p:cNvPr id="5" name="Retângulo 4">
+            <a:extLst>
+              <a:ext uri="{FF2B5EF4-FFF2-40B4-BE49-F238E27FC236}">
+                <a16:creationId xmlns:a16="http://schemas.microsoft.com/office/drawing/2014/main" id="{9B66AB47-B695-4CEC-A5F6-D20984356DDC}"/>
+              </a:ext>
+            </a:extLst>
+          </p:cNvPr>
+          <p:cNvSpPr/>
+          <p:nvPr/>
+        </p:nvSpPr>
+        <p:spPr>
+          <a:xfrm>
+            <a:off x="6905978" y="4366049"/>
+            <a:ext cx="4233333" cy="1323439"/>
+          </a:xfrm>
+          <a:prstGeom prst="rect">
+            <a:avLst/>
+          </a:prstGeom>
+        </p:spPr>
+        <p:txBody>
+          <a:bodyPr wrap="square">
+            <a:spAutoFit/>
+          </a:bodyPr>
+          <a:lstStyle/>
+          <a:p>
+            <a:r>
+              <a:rPr lang="en-US" sz="1600" dirty="0">
+                <a:solidFill>
+                  <a:srgbClr val="0000FF"/>
+                </a:solidFill>
+                <a:latin typeface="Consolas" panose="020B0609020204030204" pitchFamily="49" charset="0"/>
+              </a:rPr>
+              <a:t>@media</a:t>
+            </a:r>
+            <a:r>
+              <a:rPr lang="en-US" sz="1600" dirty="0">
+                <a:solidFill>
+                  <a:srgbClr val="000000"/>
+                </a:solidFill>
+                <a:latin typeface="Consolas" panose="020B0609020204030204" pitchFamily="49" charset="0"/>
+              </a:rPr>
+              <a:t> (</a:t>
+            </a:r>
+            <a:r>
+              <a:rPr lang="en-US" sz="1600" dirty="0">
+                <a:solidFill>
+                  <a:srgbClr val="E50000"/>
+                </a:solidFill>
+                <a:latin typeface="Consolas" panose="020B0609020204030204" pitchFamily="49" charset="0"/>
+              </a:rPr>
+              <a:t>max-width</a:t>
+            </a:r>
+            <a:r>
+              <a:rPr lang="en-US" sz="1600" dirty="0">
+                <a:solidFill>
+                  <a:srgbClr val="000000"/>
+                </a:solidFill>
+                <a:latin typeface="Consolas" panose="020B0609020204030204" pitchFamily="49" charset="0"/>
+              </a:rPr>
+              <a:t>: </a:t>
+            </a:r>
+            <a:r>
+              <a:rPr lang="en-US" sz="1600" dirty="0">
+                <a:solidFill>
+                  <a:srgbClr val="098658"/>
+                </a:solidFill>
+                <a:latin typeface="Consolas" panose="020B0609020204030204" pitchFamily="49" charset="0"/>
+              </a:rPr>
+              <a:t>480px</a:t>
+            </a:r>
+            <a:r>
+              <a:rPr lang="en-US" sz="1600" dirty="0">
+                <a:solidFill>
+                  <a:srgbClr val="000000"/>
+                </a:solidFill>
+                <a:latin typeface="Consolas" panose="020B0609020204030204" pitchFamily="49" charset="0"/>
+              </a:rPr>
+              <a:t>) {</a:t>
+            </a:r>
+          </a:p>
+          <a:p>
+            <a:r>
+              <a:rPr lang="en-US" sz="1600" dirty="0">
+                <a:solidFill>
+                  <a:srgbClr val="000000"/>
+                </a:solidFill>
+                <a:latin typeface="Consolas" panose="020B0609020204030204" pitchFamily="49" charset="0"/>
+              </a:rPr>
+              <a:t>    </a:t>
+            </a:r>
+            <a:r>
+              <a:rPr lang="en-US" sz="1600" dirty="0">
+                <a:solidFill>
+                  <a:srgbClr val="800000"/>
+                </a:solidFill>
+                <a:latin typeface="Consolas" panose="020B0609020204030204" pitchFamily="49" charset="0"/>
+              </a:rPr>
+              <a:t>body</a:t>
+            </a:r>
+            <a:r>
+              <a:rPr lang="en-US" sz="1600" dirty="0">
+                <a:solidFill>
+                  <a:srgbClr val="000000"/>
+                </a:solidFill>
+                <a:latin typeface="Consolas" panose="020B0609020204030204" pitchFamily="49" charset="0"/>
+              </a:rPr>
+              <a:t> {</a:t>
+            </a:r>
+          </a:p>
+          <a:p>
+            <a:r>
+              <a:rPr lang="en-US" sz="1600" dirty="0">
+                <a:solidFill>
+                  <a:srgbClr val="000000"/>
+                </a:solidFill>
+                <a:latin typeface="Consolas" panose="020B0609020204030204" pitchFamily="49" charset="0"/>
+              </a:rPr>
+              <a:t>        </a:t>
+            </a:r>
+            <a:r>
+              <a:rPr lang="en-US" sz="1600" dirty="0">
+                <a:solidFill>
+                  <a:srgbClr val="E50000"/>
+                </a:solidFill>
+                <a:latin typeface="Consolas" panose="020B0609020204030204" pitchFamily="49" charset="0"/>
+              </a:rPr>
+              <a:t>background-color</a:t>
+            </a:r>
+            <a:r>
+              <a:rPr lang="en-US" sz="1600" dirty="0">
+                <a:solidFill>
+                  <a:srgbClr val="000000"/>
+                </a:solidFill>
+                <a:latin typeface="Consolas" panose="020B0609020204030204" pitchFamily="49" charset="0"/>
+              </a:rPr>
+              <a:t>: </a:t>
+            </a:r>
+            <a:r>
+              <a:rPr lang="en-US" sz="1600" dirty="0" err="1">
+                <a:solidFill>
+                  <a:srgbClr val="0451A5"/>
+                </a:solidFill>
+                <a:latin typeface="Consolas" panose="020B0609020204030204" pitchFamily="49" charset="0"/>
+              </a:rPr>
+              <a:t>lightblue</a:t>
+            </a:r>
+            <a:r>
+              <a:rPr lang="en-US" sz="1600" dirty="0">
+                <a:solidFill>
+                  <a:srgbClr val="000000"/>
+                </a:solidFill>
+                <a:latin typeface="Consolas" panose="020B0609020204030204" pitchFamily="49" charset="0"/>
+              </a:rPr>
+              <a:t>;</a:t>
+            </a:r>
+          </a:p>
+          <a:p>
+            <a:r>
+              <a:rPr lang="en-US" sz="1600" dirty="0">
+                <a:solidFill>
+                  <a:srgbClr val="000000"/>
+                </a:solidFill>
+                <a:latin typeface="Consolas" panose="020B0609020204030204" pitchFamily="49" charset="0"/>
+              </a:rPr>
+              <a:t>    }</a:t>
+            </a:r>
+          </a:p>
+          <a:p>
+            <a:r>
+              <a:rPr lang="en-US" sz="1600" dirty="0">
+                <a:solidFill>
+                  <a:srgbClr val="000000"/>
+                </a:solidFill>
+                <a:latin typeface="Consolas" panose="020B0609020204030204" pitchFamily="49" charset="0"/>
+              </a:rPr>
+              <a:t>}</a:t>
+            </a:r>
+          </a:p>
+        </p:txBody>
+      </p:sp>
+      <p:sp>
+        <p:nvSpPr>
+          <p:cNvPr id="6" name="CaixaDeTexto 5">
+            <a:extLst>
+              <a:ext uri="{FF2B5EF4-FFF2-40B4-BE49-F238E27FC236}">
+                <a16:creationId xmlns:a16="http://schemas.microsoft.com/office/drawing/2014/main" id="{B70F83BA-3E6F-4656-AAA3-BC30FBADD0E0}"/>
+              </a:ext>
+            </a:extLst>
+          </p:cNvPr>
+          <p:cNvSpPr txBox="1"/>
+          <p:nvPr/>
+        </p:nvSpPr>
+        <p:spPr>
+          <a:xfrm>
+            <a:off x="3014408" y="3903133"/>
+            <a:ext cx="877163" cy="369332"/>
+          </a:xfrm>
+          <a:prstGeom prst="rect">
+            <a:avLst/>
+          </a:prstGeom>
+          <a:noFill/>
+        </p:spPr>
+        <p:txBody>
+          <a:bodyPr wrap="none" rtlCol="0">
+            <a:spAutoFit/>
+          </a:bodyPr>
+          <a:lstStyle/>
+          <a:p>
+            <a:r>
+              <a:rPr lang="pt-BR" dirty="0">
+                <a:latin typeface="Times New Roman" panose="02020603050405020304" pitchFamily="18" charset="0"/>
+                <a:cs typeface="Times New Roman" panose="02020603050405020304" pitchFamily="18" charset="0"/>
+              </a:rPr>
+              <a:t>Sintaxe</a:t>
+            </a:r>
+          </a:p>
+        </p:txBody>
+      </p:sp>
+      <p:sp>
+        <p:nvSpPr>
+          <p:cNvPr id="7" name="CaixaDeTexto 6">
+            <a:extLst>
+              <a:ext uri="{FF2B5EF4-FFF2-40B4-BE49-F238E27FC236}">
+                <a16:creationId xmlns:a16="http://schemas.microsoft.com/office/drawing/2014/main" id="{35E5B55A-8C06-479D-9CF1-E97CA2015F5B}"/>
+              </a:ext>
+            </a:extLst>
+          </p:cNvPr>
+          <p:cNvSpPr txBox="1"/>
+          <p:nvPr/>
+        </p:nvSpPr>
+        <p:spPr>
+          <a:xfrm>
+            <a:off x="8513531" y="3903133"/>
+            <a:ext cx="1018227" cy="369332"/>
+          </a:xfrm>
+          <a:prstGeom prst="rect">
+            <a:avLst/>
+          </a:prstGeom>
+          <a:noFill/>
+        </p:spPr>
+        <p:txBody>
+          <a:bodyPr wrap="none" rtlCol="0">
+            <a:spAutoFit/>
+          </a:bodyPr>
+          <a:lstStyle/>
+          <a:p>
+            <a:r>
+              <a:rPr lang="pt-BR" dirty="0">
+                <a:latin typeface="Times New Roman" panose="02020603050405020304" pitchFamily="18" charset="0"/>
+                <a:cs typeface="Times New Roman" panose="02020603050405020304" pitchFamily="18" charset="0"/>
+              </a:rPr>
+              <a:t>Exemplo</a:t>
+            </a:r>
+          </a:p>
+        </p:txBody>
+      </p:sp>
+    </p:spTree>
+    <p:extLst>
+      <p:ext uri="{BB962C8B-B14F-4D97-AF65-F5344CB8AC3E}">
+        <p14:creationId xmlns:p14="http://schemas.microsoft.com/office/powerpoint/2010/main" val="3044489257"/>
+      </p:ext>
+    </p:extLst>
+  </p:cSld>
+  <p:clrMapOvr>
+    <a:masterClrMapping/>
+  </p:clrMapOvr>
+</p:sld>
+</file>
+
+<file path=ppt/slides/slide6.xml><?xml version="1.0" encoding="utf-8"?>
+<p:sld xmlns:a="http://schemas.openxmlformats.org/drawingml/2006/main" xmlns:r="http://schemas.openxmlformats.org/officeDocument/2006/relationships" xmlns:p="http://schemas.openxmlformats.org/presentationml/2006/main">
+  <p:cSld>
+    <p:spTree>
+      <p:nvGrpSpPr>
+        <p:cNvPr id="1" name=""/>
+        <p:cNvGrpSpPr/>
+        <p:nvPr/>
+      </p:nvGrpSpPr>
+      <p:grpSpPr>
+        <a:xfrm>
+          <a:off x="0" y="0"/>
+          <a:ext cx="0" cy="0"/>
+          <a:chOff x="0" y="0"/>
+          <a:chExt cx="0" cy="0"/>
+        </a:xfrm>
+      </p:grpSpPr>
+      <p:sp>
+        <p:nvSpPr>
+          <p:cNvPr id="2" name="Título 1">
+            <a:extLst>
+              <a:ext uri="{FF2B5EF4-FFF2-40B4-BE49-F238E27FC236}">
+                <a16:creationId xmlns:a16="http://schemas.microsoft.com/office/drawing/2014/main" id="{67BC290F-B139-42F3-BC43-19F2203F8750}"/>
+              </a:ext>
+            </a:extLst>
+          </p:cNvPr>
+          <p:cNvSpPr>
+            <a:spLocks noGrp="1"/>
+          </p:cNvSpPr>
+          <p:nvPr>
+            <p:ph type="title"/>
+          </p:nvPr>
+        </p:nvSpPr>
+        <p:spPr/>
+        <p:txBody>
+          <a:bodyPr/>
+          <a:lstStyle/>
+          <a:p>
+            <a:r>
+              <a:rPr lang="pt-BR" dirty="0"/>
+              <a:t>Desafio de Responsividade com Media Queries</a:t>
+            </a:r>
+          </a:p>
+        </p:txBody>
+      </p:sp>
+      <p:sp>
+        <p:nvSpPr>
+          <p:cNvPr id="3" name="Espaço Reservado para Conteúdo 2">
+            <a:extLst>
+              <a:ext uri="{FF2B5EF4-FFF2-40B4-BE49-F238E27FC236}">
+                <a16:creationId xmlns:a16="http://schemas.microsoft.com/office/drawing/2014/main" id="{1B2BCD4E-9F8D-4DE8-9A98-6C010C8B8C46}"/>
+              </a:ext>
+            </a:extLst>
+          </p:cNvPr>
+          <p:cNvSpPr>
+            <a:spLocks noGrp="1"/>
+          </p:cNvSpPr>
+          <p:nvPr>
+            <p:ph idx="1"/>
+          </p:nvPr>
+        </p:nvSpPr>
+        <p:spPr/>
+        <p:txBody>
+          <a:bodyPr/>
+          <a:lstStyle/>
+          <a:p>
+            <a:r>
+              <a:rPr lang="pt-BR" sz="1800" dirty="0"/>
+              <a:t>Crie uma página web que se adapte automaticamente a diferentes tamanhos de tela utilizando </a:t>
+            </a:r>
+            <a:r>
+              <a:rPr lang="pt-BR" sz="1800" b="1" dirty="0"/>
+              <a:t>Media Queries</a:t>
+            </a:r>
+            <a:r>
+              <a:rPr lang="pt-BR" sz="1800" dirty="0"/>
+              <a:t>.</a:t>
+            </a:r>
+          </a:p>
+          <a:p>
+            <a:pPr>
+              <a:spcBef>
+                <a:spcPts val="0"/>
+              </a:spcBef>
+            </a:pPr>
+            <a:r>
+              <a:rPr lang="pt-BR" sz="1800" dirty="0"/>
+              <a:t>Utilize </a:t>
+            </a:r>
+            <a:r>
+              <a:rPr lang="pt-BR" sz="1800" b="1" dirty="0"/>
+              <a:t>Media Queries</a:t>
+            </a:r>
+            <a:r>
+              <a:rPr lang="pt-BR" sz="1800" dirty="0"/>
+              <a:t> para exibir uma imagem diferente para cada tipo de dispositivo:</a:t>
+            </a:r>
+          </a:p>
+          <a:p>
+            <a:pPr lvl="1"/>
+            <a:r>
+              <a:rPr lang="pt-BR" dirty="0"/>
+              <a:t>📱 </a:t>
+            </a:r>
+            <a:r>
+              <a:rPr lang="pt-BR" b="1" dirty="0"/>
+              <a:t>Celular Pequeno</a:t>
+            </a:r>
+            <a:r>
+              <a:rPr lang="pt-BR" dirty="0"/>
+              <a:t> (máx. 480px)</a:t>
+            </a:r>
+          </a:p>
+          <a:p>
+            <a:pPr lvl="1"/>
+            <a:r>
+              <a:rPr lang="pt-BR" dirty="0"/>
+              <a:t>📱 </a:t>
+            </a:r>
+            <a:r>
+              <a:rPr lang="pt-BR" b="1" dirty="0"/>
+              <a:t>Celular Médio</a:t>
+            </a:r>
+            <a:r>
+              <a:rPr lang="pt-BR" dirty="0"/>
+              <a:t> (481px - 768px)</a:t>
+            </a:r>
+          </a:p>
+          <a:p>
+            <a:pPr lvl="1"/>
+            <a:r>
+              <a:rPr lang="pt-BR" dirty="0"/>
+              <a:t>💻 </a:t>
+            </a:r>
+            <a:r>
+              <a:rPr lang="pt-BR" b="1" dirty="0"/>
+              <a:t>Tablet</a:t>
+            </a:r>
+            <a:r>
+              <a:rPr lang="pt-BR" dirty="0"/>
+              <a:t> (769px - 1024px)</a:t>
+            </a:r>
+          </a:p>
+          <a:p>
+            <a:pPr lvl="1"/>
+            <a:r>
+              <a:rPr lang="pt-BR" dirty="0"/>
+              <a:t>🖥️ </a:t>
+            </a:r>
+            <a:r>
+              <a:rPr lang="pt-BR" b="1" dirty="0"/>
+              <a:t>Notebook / Laptop</a:t>
+            </a:r>
+            <a:r>
+              <a:rPr lang="pt-BR" dirty="0"/>
+              <a:t> (1025px - 1440px)</a:t>
+            </a:r>
+          </a:p>
+          <a:p>
+            <a:pPr lvl="1"/>
+            <a:r>
+              <a:rPr lang="pt-BR" dirty="0"/>
+              <a:t>🖥️ </a:t>
+            </a:r>
+            <a:r>
+              <a:rPr lang="pt-BR" b="1" dirty="0"/>
+              <a:t>Desktop Padrão</a:t>
+            </a:r>
+            <a:r>
+              <a:rPr lang="pt-BR" dirty="0"/>
+              <a:t> (1441px - 1920px)</a:t>
+            </a:r>
+          </a:p>
+          <a:p>
+            <a:pPr lvl="1"/>
+            <a:r>
+              <a:rPr lang="pt-BR" dirty="0"/>
+              <a:t>🖥️ </a:t>
+            </a:r>
+            <a:r>
+              <a:rPr lang="pt-BR" b="1" dirty="0"/>
+              <a:t>Monitores Grandes</a:t>
+            </a:r>
+            <a:r>
+              <a:rPr lang="pt-BR" dirty="0"/>
+              <a:t> (mín. 1921px)</a:t>
+            </a:r>
+          </a:p>
+          <a:p>
+            <a:endParaRPr lang="pt-BR" sz="1800" dirty="0"/>
+          </a:p>
+          <a:p>
+            <a:endParaRPr lang="pt-BR" sz="1800" dirty="0"/>
+          </a:p>
+        </p:txBody>
+      </p:sp>
+    </p:spTree>
+    <p:extLst>
+      <p:ext uri="{BB962C8B-B14F-4D97-AF65-F5344CB8AC3E}">
+        <p14:creationId xmlns:p14="http://schemas.microsoft.com/office/powerpoint/2010/main" val="2066446326"/>
       </p:ext>
     </p:extLst>
   </p:cSld>

--- a/Lógica e Programação/Módulo 03 - Framework/Aula 18 - Media Query/Media Query.pptx
+++ b/Lógica e Programação/Módulo 03 - Framework/Aula 18 - Media Query/Media Query.pptx
@@ -5,10 +5,10 @@
     <p:sldMasterId id="2147483677" r:id="rId1"/>
   </p:sldMasterIdLst>
   <p:notesMasterIdLst>
-    <p:notesMasterId r:id="rId8"/>
+    <p:notesMasterId r:id="rId11"/>
   </p:notesMasterIdLst>
   <p:handoutMasterIdLst>
-    <p:handoutMasterId r:id="rId9"/>
+    <p:handoutMasterId r:id="rId12"/>
   </p:handoutMasterIdLst>
   <p:sldIdLst>
     <p:sldId id="256" r:id="rId2"/>
@@ -17,6 +17,9 @@
     <p:sldId id="260" r:id="rId5"/>
     <p:sldId id="262" r:id="rId6"/>
     <p:sldId id="261" r:id="rId7"/>
+    <p:sldId id="263" r:id="rId8"/>
+    <p:sldId id="264" r:id="rId9"/>
+    <p:sldId id="265" r:id="rId10"/>
   </p:sldIdLst>
   <p:sldSz cx="12192000" cy="6858000"/>
   <p:notesSz cx="6888163" cy="10020300"/>
@@ -231,7 +234,7 @@
           <a:p>
             <a:fld id="{0F28648D-752F-4D9E-8EC2-61293C3E9BC7}" type="datetimeFigureOut">
               <a:rPr lang="pt-BR" smtClean="0"/>
-              <a:t>01/04/2025</a:t>
+              <a:t>03/04/2025</a:t>
             </a:fld>
             <a:endParaRPr lang="pt-BR"/>
           </a:p>
@@ -408,7 +411,7 @@
           <a:p>
             <a:fld id="{C67E822F-2664-47C4-8404-83B1D4D0E6EE}" type="datetimeFigureOut">
               <a:rPr lang="pt-BR" smtClean="0"/>
-              <a:t>01/04/2025</a:t>
+              <a:t>03/04/2025</a:t>
             </a:fld>
             <a:endParaRPr lang="pt-BR"/>
           </a:p>
@@ -1111,7 +1114,7 @@
           <a:p>
             <a:fld id="{CDD55C27-F8C6-4481-8569-CAC50CAE9F1F}" type="datetimeFigureOut">
               <a:rPr lang="pt-BR" smtClean="0"/>
-              <a:t>01/04/2025</a:t>
+              <a:t>03/04/2025</a:t>
             </a:fld>
             <a:endParaRPr lang="pt-BR"/>
           </a:p>
@@ -1601,7 +1604,7 @@
           <a:p>
             <a:fld id="{CDD55C27-F8C6-4481-8569-CAC50CAE9F1F}" type="datetimeFigureOut">
               <a:rPr lang="pt-BR" smtClean="0"/>
-              <a:t>01/04/2025</a:t>
+              <a:t>03/04/2025</a:t>
             </a:fld>
             <a:endParaRPr lang="pt-BR"/>
           </a:p>
@@ -1904,7 +1907,7 @@
           <a:p>
             <a:fld id="{CDD55C27-F8C6-4481-8569-CAC50CAE9F1F}" type="datetimeFigureOut">
               <a:rPr lang="pt-BR" smtClean="0"/>
-              <a:t>01/04/2025</a:t>
+              <a:t>03/04/2025</a:t>
             </a:fld>
             <a:endParaRPr lang="pt-BR"/>
           </a:p>
@@ -2355,7 +2358,7 @@
           <a:p>
             <a:fld id="{CDD55C27-F8C6-4481-8569-CAC50CAE9F1F}" type="datetimeFigureOut">
               <a:rPr lang="pt-BR" smtClean="0"/>
-              <a:t>01/04/2025</a:t>
+              <a:t>03/04/2025</a:t>
             </a:fld>
             <a:endParaRPr lang="pt-BR"/>
           </a:p>
@@ -2528,7 +2531,7 @@
           <a:p>
             <a:fld id="{CDD55C27-F8C6-4481-8569-CAC50CAE9F1F}" type="datetimeFigureOut">
               <a:rPr lang="pt-BR" smtClean="0"/>
-              <a:t>01/04/2025</a:t>
+              <a:t>03/04/2025</a:t>
             </a:fld>
             <a:endParaRPr lang="pt-BR"/>
           </a:p>
@@ -2665,7 +2668,7 @@
           <a:p>
             <a:fld id="{CDD55C27-F8C6-4481-8569-CAC50CAE9F1F}" type="datetimeFigureOut">
               <a:rPr lang="pt-BR" smtClean="0"/>
-              <a:t>01/04/2025</a:t>
+              <a:t>03/04/2025</a:t>
             </a:fld>
             <a:endParaRPr lang="pt-BR"/>
           </a:p>
@@ -3009,7 +3012,7 @@
           <a:p>
             <a:fld id="{CDD55C27-F8C6-4481-8569-CAC50CAE9F1F}" type="datetimeFigureOut">
               <a:rPr lang="pt-BR" smtClean="0"/>
-              <a:t>01/04/2025</a:t>
+              <a:t>03/04/2025</a:t>
             </a:fld>
             <a:endParaRPr lang="pt-BR"/>
           </a:p>
@@ -3330,7 +3333,7 @@
           <a:p>
             <a:fld id="{CDD55C27-F8C6-4481-8569-CAC50CAE9F1F}" type="datetimeFigureOut">
               <a:rPr lang="pt-BR" smtClean="0"/>
-              <a:t>01/04/2025</a:t>
+              <a:t>03/04/2025</a:t>
             </a:fld>
             <a:endParaRPr lang="pt-BR"/>
           </a:p>
@@ -4228,7 +4231,7 @@
           <a:p>
             <a:r>
               <a:rPr lang="pt-BR" dirty="0"/>
-              <a:t>Tamanhos de Tela e Media Queries</a:t>
+              <a:t>Breakpoints e Media Queries</a:t>
             </a:r>
             <a:br>
               <a:rPr lang="pt-BR" dirty="0"/>
@@ -4265,7 +4268,7 @@
           <a:p>
             <a:r>
               <a:rPr lang="pt-BR" sz="1800" dirty="0"/>
-              <a:t>Os Media Queries permitem que os sites se adaptem a diferentes dispositivos, melhorando a experiência do usuário. A tabela apresenta os tamanhos de tela mais comuns e os Media Queries ideais para cada um, garantindo um design responsivo eficiente.</a:t>
+              <a:t>Os breakpoints são pontos de interrupção no CSS onde aplicamos regras diferentes para adaptar o layout a diferentes tamanhos de tela. Eles são essenciais no design responsivo, pois garantem que o site fique bem ajustado em dispositivos como celulares, tablets e desktops.</a:t>
             </a:r>
           </a:p>
         </p:txBody>
@@ -4965,6 +4968,577 @@
     <p:extLst>
       <p:ext uri="{BB962C8B-B14F-4D97-AF65-F5344CB8AC3E}">
         <p14:creationId xmlns:p14="http://schemas.microsoft.com/office/powerpoint/2010/main" val="2066446326"/>
+      </p:ext>
+    </p:extLst>
+  </p:cSld>
+  <p:clrMapOvr>
+    <a:masterClrMapping/>
+  </p:clrMapOvr>
+</p:sld>
+</file>
+
+<file path=ppt/slides/slide7.xml><?xml version="1.0" encoding="utf-8"?>
+<p:sld xmlns:a="http://schemas.openxmlformats.org/drawingml/2006/main" xmlns:r="http://schemas.openxmlformats.org/officeDocument/2006/relationships" xmlns:p="http://schemas.openxmlformats.org/presentationml/2006/main">
+  <p:cSld>
+    <p:spTree>
+      <p:nvGrpSpPr>
+        <p:cNvPr id="1" name=""/>
+        <p:cNvGrpSpPr/>
+        <p:nvPr/>
+      </p:nvGrpSpPr>
+      <p:grpSpPr>
+        <a:xfrm>
+          <a:off x="0" y="0"/>
+          <a:ext cx="0" cy="0"/>
+          <a:chOff x="0" y="0"/>
+          <a:chExt cx="0" cy="0"/>
+        </a:xfrm>
+      </p:grpSpPr>
+      <p:sp>
+        <p:nvSpPr>
+          <p:cNvPr id="2" name="Título 1">
+            <a:extLst>
+              <a:ext uri="{FF2B5EF4-FFF2-40B4-BE49-F238E27FC236}">
+                <a16:creationId xmlns:a16="http://schemas.microsoft.com/office/drawing/2014/main" id="{A312D959-ED83-4A6B-A787-5CACCC6F56A6}"/>
+              </a:ext>
+            </a:extLst>
+          </p:cNvPr>
+          <p:cNvSpPr>
+            <a:spLocks noGrp="1"/>
+          </p:cNvSpPr>
+          <p:nvPr>
+            <p:ph type="title"/>
+          </p:nvPr>
+        </p:nvSpPr>
+        <p:spPr/>
+        <p:txBody>
+          <a:bodyPr/>
+          <a:lstStyle/>
+          <a:p>
+            <a:r>
+              <a:rPr lang="pt-BR" dirty="0"/>
+              <a:t>Mobile-</a:t>
+            </a:r>
+            <a:r>
+              <a:rPr lang="pt-BR" dirty="0" err="1"/>
+              <a:t>First</a:t>
+            </a:r>
+            <a:endParaRPr lang="pt-BR" dirty="0"/>
+          </a:p>
+        </p:txBody>
+      </p:sp>
+      <p:sp>
+        <p:nvSpPr>
+          <p:cNvPr id="3" name="Espaço Reservado para Conteúdo 2">
+            <a:extLst>
+              <a:ext uri="{FF2B5EF4-FFF2-40B4-BE49-F238E27FC236}">
+                <a16:creationId xmlns:a16="http://schemas.microsoft.com/office/drawing/2014/main" id="{AD1C934B-D1F2-4AA9-A678-85D2BDE029A2}"/>
+              </a:ext>
+            </a:extLst>
+          </p:cNvPr>
+          <p:cNvSpPr>
+            <a:spLocks noGrp="1"/>
+          </p:cNvSpPr>
+          <p:nvPr>
+            <p:ph idx="1"/>
+          </p:nvPr>
+        </p:nvSpPr>
+        <p:spPr>
+          <a:xfrm>
+            <a:off x="592347" y="1844675"/>
+            <a:ext cx="11007306" cy="1668992"/>
+          </a:xfrm>
+        </p:spPr>
+        <p:txBody>
+          <a:bodyPr/>
+          <a:lstStyle/>
+          <a:p>
+            <a:r>
+              <a:rPr lang="pt-BR" dirty="0"/>
+              <a:t>O </a:t>
+            </a:r>
+            <a:r>
+              <a:rPr lang="pt-BR" b="1" dirty="0"/>
+              <a:t>Mobile-</a:t>
+            </a:r>
+            <a:r>
+              <a:rPr lang="pt-BR" b="1" dirty="0" err="1"/>
+              <a:t>First</a:t>
+            </a:r>
+            <a:r>
+              <a:rPr lang="pt-BR" dirty="0"/>
+              <a:t> é uma abordagem no design de sites onde a criação e estilização começam </a:t>
+            </a:r>
+            <a:r>
+              <a:rPr lang="pt-BR" b="1" dirty="0"/>
+              <a:t>pelos dispositivos móveis</a:t>
+            </a:r>
+            <a:r>
+              <a:rPr lang="pt-BR" dirty="0"/>
+              <a:t> e, depois, são adaptadas para telas maiores, como tablets e desktops. Esse método reflete a realidade atual, onde a maioria dos acessos à internet acontece por smartphones.</a:t>
+            </a:r>
+          </a:p>
+          <a:p>
+            <a:endParaRPr lang="pt-BR" dirty="0"/>
+          </a:p>
+        </p:txBody>
+      </p:sp>
+      <p:pic>
+        <p:nvPicPr>
+          <p:cNvPr id="5" name="Imagem 4">
+            <a:extLst>
+              <a:ext uri="{FF2B5EF4-FFF2-40B4-BE49-F238E27FC236}">
+                <a16:creationId xmlns:a16="http://schemas.microsoft.com/office/drawing/2014/main" id="{F5E625B6-6698-45D5-A33E-0FBB7F9704FA}"/>
+              </a:ext>
+            </a:extLst>
+          </p:cNvPr>
+          <p:cNvPicPr>
+            <a:picLocks noChangeAspect="1"/>
+          </p:cNvPicPr>
+          <p:nvPr/>
+        </p:nvPicPr>
+        <p:blipFill>
+          <a:blip r:embed="rId2">
+            <a:extLst>
+              <a:ext uri="{28A0092B-C50C-407E-A947-70E740481C1C}">
+                <a14:useLocalDpi xmlns:a14="http://schemas.microsoft.com/office/drawing/2010/main" val="0"/>
+              </a:ext>
+            </a:extLst>
+          </a:blip>
+          <a:stretch>
+            <a:fillRect/>
+          </a:stretch>
+        </p:blipFill>
+        <p:spPr>
+          <a:xfrm>
+            <a:off x="2864000" y="4140505"/>
+            <a:ext cx="1800000" cy="1800000"/>
+          </a:xfrm>
+          <a:prstGeom prst="rect">
+            <a:avLst/>
+          </a:prstGeom>
+        </p:spPr>
+      </p:pic>
+      <p:pic>
+        <p:nvPicPr>
+          <p:cNvPr id="7" name="Imagem 6">
+            <a:extLst>
+              <a:ext uri="{FF2B5EF4-FFF2-40B4-BE49-F238E27FC236}">
+                <a16:creationId xmlns:a16="http://schemas.microsoft.com/office/drawing/2014/main" id="{EA92D977-EA2E-4210-9F63-D0DEBE09BAF8}"/>
+              </a:ext>
+            </a:extLst>
+          </p:cNvPr>
+          <p:cNvPicPr>
+            <a:picLocks noChangeAspect="1"/>
+          </p:cNvPicPr>
+          <p:nvPr/>
+        </p:nvPicPr>
+        <p:blipFill>
+          <a:blip r:embed="rId3">
+            <a:extLst>
+              <a:ext uri="{28A0092B-C50C-407E-A947-70E740481C1C}">
+                <a14:useLocalDpi xmlns:a14="http://schemas.microsoft.com/office/drawing/2010/main" val="0"/>
+              </a:ext>
+            </a:extLst>
+          </a:blip>
+          <a:stretch>
+            <a:fillRect/>
+          </a:stretch>
+        </p:blipFill>
+        <p:spPr>
+          <a:xfrm>
+            <a:off x="7528000" y="4140505"/>
+            <a:ext cx="1800000" cy="1800000"/>
+          </a:xfrm>
+          <a:prstGeom prst="rect">
+            <a:avLst/>
+          </a:prstGeom>
+        </p:spPr>
+      </p:pic>
+      <p:cxnSp>
+        <p:nvCxnSpPr>
+          <p:cNvPr id="11" name="Conector de Seta Reta 10">
+            <a:extLst>
+              <a:ext uri="{FF2B5EF4-FFF2-40B4-BE49-F238E27FC236}">
+                <a16:creationId xmlns:a16="http://schemas.microsoft.com/office/drawing/2014/main" id="{0A11902C-1A95-43EF-8E41-5A6938CC575D}"/>
+              </a:ext>
+            </a:extLst>
+          </p:cNvPr>
+          <p:cNvCxnSpPr>
+            <a:cxnSpLocks/>
+          </p:cNvCxnSpPr>
+          <p:nvPr/>
+        </p:nvCxnSpPr>
+        <p:spPr>
+          <a:xfrm>
+            <a:off x="4428067" y="5040505"/>
+            <a:ext cx="2777066" cy="0"/>
+          </a:xfrm>
+          <a:prstGeom prst="straightConnector1">
+            <a:avLst/>
+          </a:prstGeom>
+          <a:ln w="38100">
+            <a:solidFill>
+              <a:schemeClr val="tx1"/>
+            </a:solidFill>
+            <a:tailEnd type="triangle"/>
+          </a:ln>
+        </p:spPr>
+        <p:style>
+          <a:lnRef idx="1">
+            <a:schemeClr val="accent1"/>
+          </a:lnRef>
+          <a:fillRef idx="0">
+            <a:schemeClr val="accent1"/>
+          </a:fillRef>
+          <a:effectRef idx="0">
+            <a:schemeClr val="accent1"/>
+          </a:effectRef>
+          <a:fontRef idx="minor">
+            <a:schemeClr val="tx1"/>
+          </a:fontRef>
+        </p:style>
+      </p:cxnSp>
+    </p:spTree>
+    <p:extLst>
+      <p:ext uri="{BB962C8B-B14F-4D97-AF65-F5344CB8AC3E}">
+        <p14:creationId xmlns:p14="http://schemas.microsoft.com/office/powerpoint/2010/main" val="3804487680"/>
+      </p:ext>
+    </p:extLst>
+  </p:cSld>
+  <p:clrMapOvr>
+    <a:masterClrMapping/>
+  </p:clrMapOvr>
+</p:sld>
+</file>
+
+<file path=ppt/slides/slide8.xml><?xml version="1.0" encoding="utf-8"?>
+<p:sld xmlns:a="http://schemas.openxmlformats.org/drawingml/2006/main" xmlns:r="http://schemas.openxmlformats.org/officeDocument/2006/relationships" xmlns:p="http://schemas.openxmlformats.org/presentationml/2006/main">
+  <p:cSld>
+    <p:spTree>
+      <p:nvGrpSpPr>
+        <p:cNvPr id="1" name=""/>
+        <p:cNvGrpSpPr/>
+        <p:nvPr/>
+      </p:nvGrpSpPr>
+      <p:grpSpPr>
+        <a:xfrm>
+          <a:off x="0" y="0"/>
+          <a:ext cx="0" cy="0"/>
+          <a:chOff x="0" y="0"/>
+          <a:chExt cx="0" cy="0"/>
+        </a:xfrm>
+      </p:grpSpPr>
+      <p:sp>
+        <p:nvSpPr>
+          <p:cNvPr id="2" name="Título 1">
+            <a:extLst>
+              <a:ext uri="{FF2B5EF4-FFF2-40B4-BE49-F238E27FC236}">
+                <a16:creationId xmlns:a16="http://schemas.microsoft.com/office/drawing/2014/main" id="{8EBAB28A-73EB-41B8-AF20-70FC6E54FF79}"/>
+              </a:ext>
+            </a:extLst>
+          </p:cNvPr>
+          <p:cNvSpPr>
+            <a:spLocks noGrp="1"/>
+          </p:cNvSpPr>
+          <p:nvPr>
+            <p:ph type="title"/>
+          </p:nvPr>
+        </p:nvSpPr>
+        <p:spPr/>
+        <p:txBody>
+          <a:bodyPr/>
+          <a:lstStyle/>
+          <a:p>
+            <a:r>
+              <a:rPr lang="pt-BR" dirty="0"/>
+              <a:t>Como funciona o Mobile-</a:t>
+            </a:r>
+            <a:r>
+              <a:rPr lang="pt-BR" dirty="0" err="1"/>
+              <a:t>First</a:t>
+            </a:r>
+            <a:r>
+              <a:rPr lang="pt-BR" dirty="0"/>
+              <a:t> ?	</a:t>
+            </a:r>
+          </a:p>
+        </p:txBody>
+      </p:sp>
+      <p:sp>
+        <p:nvSpPr>
+          <p:cNvPr id="3" name="Espaço Reservado para Conteúdo 2">
+            <a:extLst>
+              <a:ext uri="{FF2B5EF4-FFF2-40B4-BE49-F238E27FC236}">
+                <a16:creationId xmlns:a16="http://schemas.microsoft.com/office/drawing/2014/main" id="{031B5A4A-8D0B-4471-A083-B67D444AEA82}"/>
+              </a:ext>
+            </a:extLst>
+          </p:cNvPr>
+          <p:cNvSpPr>
+            <a:spLocks noGrp="1"/>
+          </p:cNvSpPr>
+          <p:nvPr>
+            <p:ph idx="1"/>
+          </p:nvPr>
+        </p:nvSpPr>
+        <p:spPr/>
+        <p:txBody>
+          <a:bodyPr/>
+          <a:lstStyle/>
+          <a:p>
+            <a:r>
+              <a:rPr lang="pt-BR" dirty="0"/>
+              <a:t>No </a:t>
+            </a:r>
+            <a:r>
+              <a:rPr lang="pt-BR" b="1" dirty="0"/>
+              <a:t>Mobile-</a:t>
+            </a:r>
+            <a:r>
+              <a:rPr lang="pt-BR" b="1" dirty="0" err="1"/>
+              <a:t>First</a:t>
+            </a:r>
+            <a:r>
+              <a:rPr lang="pt-BR" dirty="0"/>
+              <a:t>, a base do CSS é feita para telas menores, e conforme a largura da tela aumenta, utilizamos </a:t>
+            </a:r>
+            <a:r>
+              <a:rPr lang="pt-BR" b="1" dirty="0"/>
+              <a:t>Media Queries</a:t>
+            </a:r>
+            <a:r>
+              <a:rPr lang="pt-BR" dirty="0"/>
+              <a:t> para adicionar estilos extras. A ideia é garantir que o site funcione </a:t>
+            </a:r>
+            <a:r>
+              <a:rPr lang="pt-BR" b="1" dirty="0"/>
+              <a:t>bem em celulares desde o início</a:t>
+            </a:r>
+            <a:r>
+              <a:rPr lang="pt-BR" dirty="0"/>
+              <a:t>, sem precisar corrigir problemas depois, tendo como vantagem:</a:t>
+            </a:r>
+          </a:p>
+          <a:p>
+            <a:pPr marL="1028700" lvl="1" indent="-342900"/>
+            <a:r>
+              <a:rPr lang="pt-BR" b="1" dirty="0"/>
+              <a:t>Melhor Performance:</a:t>
+            </a:r>
+            <a:r>
+              <a:rPr lang="pt-BR" dirty="0"/>
+              <a:t> Como os estilos são otimizados para mobile primeiro, o site carrega mais rápido.</a:t>
+            </a:r>
+          </a:p>
+          <a:p>
+            <a:pPr marL="1028700" lvl="1" indent="-342900"/>
+            <a:r>
+              <a:rPr lang="pt-BR" b="1" dirty="0"/>
+              <a:t>Melhor Experiência para Usuários:</a:t>
+            </a:r>
+            <a:r>
+              <a:rPr lang="pt-BR" dirty="0"/>
+              <a:t> A navegação fica fluida para quem acessa pelo celular.</a:t>
+            </a:r>
+          </a:p>
+          <a:p>
+            <a:pPr marL="1028700" lvl="1" indent="-342900"/>
+            <a:r>
+              <a:rPr lang="pt-BR" b="1" dirty="0"/>
+              <a:t>SEO Amigável:</a:t>
+            </a:r>
+            <a:r>
+              <a:rPr lang="pt-BR" dirty="0"/>
+              <a:t> O Google prioriza sites otimizados para dispositivos móveis no ranqueamento.</a:t>
+            </a:r>
+          </a:p>
+          <a:p>
+            <a:pPr marL="1028700" lvl="1" indent="-342900"/>
+            <a:r>
+              <a:rPr lang="pt-BR" b="1" dirty="0"/>
+              <a:t>Menos Retrabalho:</a:t>
+            </a:r>
+            <a:r>
+              <a:rPr lang="pt-BR" dirty="0"/>
+              <a:t> Criar primeiro para telas pequenas evita a necessidade de ajustar grandes layouts depois.</a:t>
+            </a:r>
+          </a:p>
+          <a:p>
+            <a:endParaRPr lang="pt-BR" dirty="0"/>
+          </a:p>
+        </p:txBody>
+      </p:sp>
+    </p:spTree>
+    <p:extLst>
+      <p:ext uri="{BB962C8B-B14F-4D97-AF65-F5344CB8AC3E}">
+        <p14:creationId xmlns:p14="http://schemas.microsoft.com/office/powerpoint/2010/main" val="3742411241"/>
+      </p:ext>
+    </p:extLst>
+  </p:cSld>
+  <p:clrMapOvr>
+    <a:masterClrMapping/>
+  </p:clrMapOvr>
+</p:sld>
+</file>
+
+<file path=ppt/slides/slide9.xml><?xml version="1.0" encoding="utf-8"?>
+<p:sld xmlns:a="http://schemas.openxmlformats.org/drawingml/2006/main" xmlns:r="http://schemas.openxmlformats.org/officeDocument/2006/relationships" xmlns:p="http://schemas.openxmlformats.org/presentationml/2006/main">
+  <p:cSld>
+    <p:spTree>
+      <p:nvGrpSpPr>
+        <p:cNvPr id="1" name=""/>
+        <p:cNvGrpSpPr/>
+        <p:nvPr/>
+      </p:nvGrpSpPr>
+      <p:grpSpPr>
+        <a:xfrm>
+          <a:off x="0" y="0"/>
+          <a:ext cx="0" cy="0"/>
+          <a:chOff x="0" y="0"/>
+          <a:chExt cx="0" cy="0"/>
+        </a:xfrm>
+      </p:grpSpPr>
+      <p:sp>
+        <p:nvSpPr>
+          <p:cNvPr id="2" name="Título 1">
+            <a:extLst>
+              <a:ext uri="{FF2B5EF4-FFF2-40B4-BE49-F238E27FC236}">
+                <a16:creationId xmlns:a16="http://schemas.microsoft.com/office/drawing/2014/main" id="{B672A54D-BEE4-4C09-A22C-0B4271247529}"/>
+              </a:ext>
+            </a:extLst>
+          </p:cNvPr>
+          <p:cNvSpPr>
+            <a:spLocks noGrp="1"/>
+          </p:cNvSpPr>
+          <p:nvPr>
+            <p:ph type="title"/>
+          </p:nvPr>
+        </p:nvSpPr>
+        <p:spPr/>
+        <p:txBody>
+          <a:bodyPr/>
+          <a:lstStyle/>
+          <a:p>
+            <a:r>
+              <a:rPr lang="pt-BR" dirty="0"/>
+              <a:t>Desafio: Criando uma Tela de Login Responsiva</a:t>
+            </a:r>
+          </a:p>
+        </p:txBody>
+      </p:sp>
+      <p:sp>
+        <p:nvSpPr>
+          <p:cNvPr id="3" name="Espaço Reservado para Conteúdo 2">
+            <a:extLst>
+              <a:ext uri="{FF2B5EF4-FFF2-40B4-BE49-F238E27FC236}">
+                <a16:creationId xmlns:a16="http://schemas.microsoft.com/office/drawing/2014/main" id="{A53D0D87-E6DA-4228-9C97-9DECBAB5ACA5}"/>
+              </a:ext>
+            </a:extLst>
+          </p:cNvPr>
+          <p:cNvSpPr>
+            <a:spLocks noGrp="1"/>
+          </p:cNvSpPr>
+          <p:nvPr>
+            <p:ph idx="1"/>
+          </p:nvPr>
+        </p:nvSpPr>
+        <p:spPr/>
+        <p:txBody>
+          <a:bodyPr/>
+          <a:lstStyle/>
+          <a:p>
+            <a:r>
+              <a:rPr lang="pt-BR" dirty="0"/>
+              <a:t>O desafio consiste em desenvolver uma </a:t>
+            </a:r>
+            <a:r>
+              <a:rPr lang="pt-BR" b="1" dirty="0"/>
+              <a:t>tela de login responsiva</a:t>
+            </a:r>
+            <a:r>
+              <a:rPr lang="pt-BR" dirty="0"/>
+              <a:t>, utilizando </a:t>
+            </a:r>
+            <a:r>
+              <a:rPr lang="pt-BR" b="1" dirty="0"/>
+              <a:t>HTML e CSS</a:t>
+            </a:r>
+            <a:r>
+              <a:rPr lang="pt-BR" dirty="0"/>
+              <a:t>, que se adapta a diferentes tamanhos de tela e altera a imagem de fundo de acordo com a resolução do dispositivo.</a:t>
+            </a:r>
+          </a:p>
+          <a:p>
+            <a:pPr marL="1028700" lvl="1" indent="-342900">
+              <a:buFont typeface="+mj-lt"/>
+              <a:buAutoNum type="arabicPeriod"/>
+            </a:pPr>
+            <a:r>
+              <a:rPr lang="pt-BR" dirty="0"/>
+              <a:t>Criar uma estrutura HTML com um formulário de login contendo campos para usuário e senha, além de um botão de envio.</a:t>
+            </a:r>
+          </a:p>
+          <a:p>
+            <a:pPr marL="1028700" lvl="1" indent="-342900">
+              <a:buFont typeface="+mj-lt"/>
+              <a:buAutoNum type="arabicPeriod"/>
+            </a:pPr>
+            <a:r>
+              <a:rPr lang="pt-BR" dirty="0"/>
+              <a:t>Aplicar estilização com CSS, garantindo um design moderno e intuitivo. </a:t>
+            </a:r>
+          </a:p>
+          <a:p>
+            <a:pPr marL="1028700" lvl="1" indent="-342900">
+              <a:buFont typeface="+mj-lt"/>
+              <a:buAutoNum type="arabicPeriod"/>
+            </a:pPr>
+            <a:r>
+              <a:rPr lang="pt-BR" dirty="0"/>
+              <a:t>Implementar responsividade usando Media Queries para adaptar o layout em diferentes dispositivos.</a:t>
+            </a:r>
+          </a:p>
+          <a:p>
+            <a:pPr marL="1028700" lvl="1" indent="-342900">
+              <a:buFont typeface="+mj-lt"/>
+              <a:buAutoNum type="arabicPeriod"/>
+            </a:pPr>
+            <a:r>
+              <a:rPr lang="pt-BR" dirty="0"/>
+              <a:t>Alterar automaticamente a imagem de fundo conforme a largura da tela:</a:t>
+            </a:r>
+          </a:p>
+          <a:p>
+            <a:pPr marL="1485900" lvl="2" indent="-342900"/>
+            <a:r>
+              <a:rPr lang="pt-BR" dirty="0"/>
+              <a:t>📱 Celulares (até 1025px): Sem imagem de fundo.</a:t>
+            </a:r>
+          </a:p>
+          <a:p>
+            <a:pPr marL="1485900" lvl="2" indent="-342900"/>
+            <a:r>
+              <a:rPr lang="pt-BR" dirty="0"/>
+              <a:t>💻 Tablets e Notebooks (1026px a 1440px): Exibir a imagem TelaMedia.jpg.</a:t>
+            </a:r>
+          </a:p>
+          <a:p>
+            <a:pPr marL="1485900" lvl="2" indent="-342900"/>
+            <a:r>
+              <a:rPr lang="pt-BR"/>
+              <a:t>🖥</a:t>
+            </a:r>
+            <a:r>
+              <a:rPr lang="pt-BR" dirty="0"/>
+              <a:t>️ Telas maiores (acima de 1440px): Exibir a imagem TelaGrande.jpg</a:t>
+            </a:r>
+          </a:p>
+        </p:txBody>
+      </p:sp>
+    </p:spTree>
+    <p:extLst>
+      <p:ext uri="{BB962C8B-B14F-4D97-AF65-F5344CB8AC3E}">
+        <p14:creationId xmlns:p14="http://schemas.microsoft.com/office/powerpoint/2010/main" val="578514726"/>
       </p:ext>
     </p:extLst>
   </p:cSld>
